--- a/images/Economia_de_la_complejidad_repensar_el_sistema_economico.pptx
+++ b/images/Economia_de_la_complejidad_repensar_el_sistema_economico.pptx
@@ -3102,7 +3102,7 @@
           </a:prstGeom>
           <a:solidFill>
             <a:schemeClr val="tx1">
-              <a:lumMod val="50000"/>
+              <a:lumMod val="65000"/>
               <a:alpha val="60000"/>
             </a:schemeClr>
           </a:solidFill>
